--- a/docs/logo/hoster-logo.pptx
+++ b/docs/logo/hoster-logo.pptx
@@ -9,6 +9,7 @@
   </p:notesMasterIdLst>
   <p:sldIdLst>
     <p:sldId id="256" r:id="rId3"/>
+    <p:sldId id="257" r:id="rId5"/>
   </p:sldIdLst>
   <p:sldSz cx="12192000" cy="6858000"/>
   <p:notesSz cx="6858000" cy="9144000"/>
@@ -458,6 +459,50 @@
 </file>
 
 <file path=ppt/notesSlides/notesSlide1.xml><?xml version="1.0" encoding="utf-8"?>
+<p:notes xmlns:a="http://schemas.openxmlformats.org/drawingml/2006/main" xmlns:r="http://schemas.openxmlformats.org/officeDocument/2006/relationships" xmlns:p="http://schemas.openxmlformats.org/presentationml/2006/main">
+  <p:cSld>
+    <p:spTree>
+      <p:nvGrpSpPr>
+        <p:cNvPr id="1" name=""/>
+        <p:cNvGrpSpPr/>
+        <p:nvPr/>
+      </p:nvGrpSpPr>
+      <p:grpSpPr/>
+      <p:sp>
+        <p:nvSpPr>
+          <p:cNvPr id="2" name="幻灯片图像占位符 1"/>
+          <p:cNvSpPr/>
+          <p:nvPr>
+            <p:ph type="sldImg" idx="2"/>
+          </p:nvPr>
+        </p:nvSpPr>
+        <p:spPr/>
+      </p:sp>
+      <p:sp>
+        <p:nvSpPr>
+          <p:cNvPr id="3" name="文本占位符 2"/>
+          <p:cNvSpPr/>
+          <p:nvPr>
+            <p:ph type="body" idx="3"/>
+          </p:nvPr>
+        </p:nvSpPr>
+        <p:spPr/>
+        <p:txBody>
+          <a:bodyPr/>
+          <a:p>
+            <a:endParaRPr lang="zh-CN" altLang="en-US"/>
+          </a:p>
+        </p:txBody>
+      </p:sp>
+    </p:spTree>
+  </p:cSld>
+  <p:clrMapOvr>
+    <a:masterClrMapping/>
+  </p:clrMapOvr>
+</p:notes>
+</file>
+
+<file path=ppt/notesSlides/notesSlide2.xml><?xml version="1.0" encoding="utf-8"?>
 <p:notes xmlns:a="http://schemas.openxmlformats.org/drawingml/2006/main" xmlns:r="http://schemas.openxmlformats.org/officeDocument/2006/relationships" xmlns:p="http://schemas.openxmlformats.org/presentationml/2006/main">
   <p:cSld>
     <p:spTree>
@@ -3301,6 +3346,12 @@
 <file path=ppt/slides/slide1.xml><?xml version="1.0" encoding="utf-8"?>
 <p:sld xmlns:a="http://schemas.openxmlformats.org/drawingml/2006/main" xmlns:r="http://schemas.openxmlformats.org/officeDocument/2006/relationships" xmlns:p="http://schemas.openxmlformats.org/presentationml/2006/main">
   <p:cSld>
+    <p:bg>
+      <p:bgPr>
+        <a:noFill/>
+        <a:effectLst/>
+      </p:bgPr>
+    </p:bg>
     <p:spTree>
       <p:nvGrpSpPr>
         <p:cNvPr id="1" name=""/>
@@ -3310,22 +3361,207 @@
       <p:grpSpPr/>
       <p:sp>
         <p:nvSpPr>
-          <p:cNvPr id="4" name="矩形 3"/>
-          <p:cNvSpPr/>
+          <p:cNvPr id="11" name="文本框 10"/>
+          <p:cNvSpPr txBox="true"/>
           <p:nvPr/>
         </p:nvSpPr>
         <p:spPr>
           <a:xfrm>
-            <a:off x="1788795" y="1277620"/>
-            <a:ext cx="8177530" cy="3933825"/>
+            <a:off x="4478655" y="2324100"/>
+            <a:ext cx="5487670" cy="1861185"/>
           </a:xfrm>
           <a:prstGeom prst="rect">
             <a:avLst/>
           </a:prstGeom>
+          <a:noFill/>
+        </p:spPr>
+        <p:txBody>
+          <a:bodyPr wrap="square" rtlCol="0">
+            <a:spAutoFit/>
+          </a:bodyPr>
+          <a:p>
+            <a:r>
+              <a:rPr lang="en-US" altLang="zh-CN" sz="11500">
+                <a:solidFill>
+                  <a:schemeClr val="accent1">
+                    <a:lumMod val="75000"/>
+                  </a:schemeClr>
+                </a:solidFill>
+                <a:latin typeface="Ubuntu" panose="020B0604030602030204" charset="0"/>
+                <a:cs typeface="Ubuntu" panose="020B0604030602030204" charset="0"/>
+              </a:rPr>
+              <a:t>Hoster</a:t>
+            </a:r>
+            <a:endParaRPr lang="en-US" altLang="zh-CN" sz="11500">
+              <a:solidFill>
+                <a:schemeClr val="accent1">
+                  <a:lumMod val="75000"/>
+                </a:schemeClr>
+              </a:solidFill>
+              <a:latin typeface="Ubuntu" panose="020B0604030602030204" charset="0"/>
+              <a:cs typeface="Ubuntu" panose="020B0604030602030204" charset="0"/>
+            </a:endParaRPr>
+          </a:p>
+        </p:txBody>
+      </p:sp>
+      <p:sp>
+        <p:nvSpPr>
+          <p:cNvPr id="2" name="椭圆 1"/>
+          <p:cNvSpPr/>
+          <p:nvPr/>
+        </p:nvSpPr>
+        <p:spPr>
+          <a:xfrm>
+            <a:off x="2519680" y="2324100"/>
+            <a:ext cx="1837690" cy="1837690"/>
+          </a:xfrm>
+          <a:prstGeom prst="ellipse">
+            <a:avLst/>
+          </a:prstGeom>
+          <a:noFill/>
+          <a:ln w="127000">
+            <a:solidFill>
+              <a:schemeClr val="accent1">
+                <a:lumMod val="75000"/>
+              </a:schemeClr>
+            </a:solidFill>
+          </a:ln>
+        </p:spPr>
+        <p:style>
+          <a:lnRef idx="2">
+            <a:schemeClr val="accent1">
+              <a:shade val="50000"/>
+            </a:schemeClr>
+          </a:lnRef>
+          <a:fillRef idx="1">
+            <a:schemeClr val="accent1"/>
+          </a:fillRef>
+          <a:effectRef idx="0">
+            <a:schemeClr val="accent1"/>
+          </a:effectRef>
+          <a:fontRef idx="minor">
+            <a:schemeClr val="lt1"/>
+          </a:fontRef>
+        </p:style>
+        <p:txBody>
+          <a:bodyPr rtlCol="0" anchor="ctr"/>
+          <a:p>
+            <a:pPr algn="ctr"/>
+            <a:endParaRPr lang="zh-CN" altLang="en-US"/>
+          </a:p>
+        </p:txBody>
+      </p:sp>
+      <p:sp>
+        <p:nvSpPr>
+          <p:cNvPr id="3" name="椭圆 2"/>
+          <p:cNvSpPr/>
+          <p:nvPr/>
+        </p:nvSpPr>
+        <p:spPr>
+          <a:xfrm>
+            <a:off x="3085465" y="2343150"/>
+            <a:ext cx="706120" cy="1818005"/>
+          </a:xfrm>
+          <a:prstGeom prst="ellipse">
+            <a:avLst/>
+          </a:prstGeom>
+          <a:noFill/>
+          <a:ln w="127000">
+            <a:solidFill>
+              <a:schemeClr val="accent1">
+                <a:lumMod val="75000"/>
+              </a:schemeClr>
+            </a:solidFill>
+          </a:ln>
+        </p:spPr>
+        <p:style>
+          <a:lnRef idx="2">
+            <a:schemeClr val="accent1">
+              <a:shade val="50000"/>
+            </a:schemeClr>
+          </a:lnRef>
+          <a:fillRef idx="1">
+            <a:schemeClr val="accent1"/>
+          </a:fillRef>
+          <a:effectRef idx="0">
+            <a:schemeClr val="accent1"/>
+          </a:effectRef>
+          <a:fontRef idx="minor">
+            <a:schemeClr val="lt1"/>
+          </a:fontRef>
+        </p:style>
+        <p:txBody>
+          <a:bodyPr rtlCol="0" anchor="ctr"/>
+          <a:p>
+            <a:pPr algn="ctr"/>
+            <a:endParaRPr lang="zh-CN" altLang="en-US"/>
+          </a:p>
+        </p:txBody>
+      </p:sp>
+      <p:sp>
+        <p:nvSpPr>
+          <p:cNvPr id="7" name="椭圆 6"/>
+          <p:cNvSpPr/>
+          <p:nvPr/>
+        </p:nvSpPr>
+        <p:spPr>
+          <a:xfrm>
+            <a:off x="2520315" y="2990850"/>
+            <a:ext cx="1822450" cy="504190"/>
+          </a:xfrm>
+          <a:prstGeom prst="ellipse">
+            <a:avLst/>
+          </a:prstGeom>
+          <a:noFill/>
+          <a:ln w="127000">
+            <a:solidFill>
+              <a:schemeClr val="accent1">
+                <a:lumMod val="75000"/>
+              </a:schemeClr>
+            </a:solidFill>
+          </a:ln>
+        </p:spPr>
+        <p:style>
+          <a:lnRef idx="2">
+            <a:schemeClr val="accent1">
+              <a:shade val="50000"/>
+            </a:schemeClr>
+          </a:lnRef>
+          <a:fillRef idx="1">
+            <a:schemeClr val="accent1"/>
+          </a:fillRef>
+          <a:effectRef idx="0">
+            <a:schemeClr val="accent1"/>
+          </a:effectRef>
+          <a:fontRef idx="minor">
+            <a:schemeClr val="lt1"/>
+          </a:fontRef>
+        </p:style>
+        <p:txBody>
+          <a:bodyPr rtlCol="0" anchor="ctr"/>
+          <a:p>
+            <a:pPr algn="ctr"/>
+            <a:endParaRPr lang="zh-CN" altLang="en-US"/>
+          </a:p>
+        </p:txBody>
+      </p:sp>
+      <p:sp>
+        <p:nvSpPr>
+          <p:cNvPr id="12" name="椭圆 11"/>
+          <p:cNvSpPr/>
+          <p:nvPr/>
+        </p:nvSpPr>
+        <p:spPr>
+          <a:xfrm>
+            <a:off x="3587750" y="2845435"/>
+            <a:ext cx="381000" cy="381000"/>
+          </a:xfrm>
+          <a:prstGeom prst="ellipse">
+            <a:avLst/>
+          </a:prstGeom>
           <a:solidFill>
-            <a:schemeClr val="accent2">
-              <a:lumMod val="60000"/>
-              <a:lumOff val="40000"/>
+            <a:schemeClr val="accent1">
+              <a:lumMod val="50000"/>
             </a:schemeClr>
           </a:solidFill>
           <a:ln>
@@ -3358,7 +3594,158 @@
       </p:sp>
       <p:sp>
         <p:nvSpPr>
-          <p:cNvPr id="5" name="椭圆 4"/>
+          <p:cNvPr id="13" name="椭圆 12"/>
+          <p:cNvSpPr/>
+          <p:nvPr/>
+        </p:nvSpPr>
+        <p:spPr>
+          <a:xfrm>
+            <a:off x="2904490" y="3274695"/>
+            <a:ext cx="381000" cy="381000"/>
+          </a:xfrm>
+          <a:prstGeom prst="ellipse">
+            <a:avLst/>
+          </a:prstGeom>
+          <a:solidFill>
+            <a:schemeClr val="accent1">
+              <a:lumMod val="50000"/>
+            </a:schemeClr>
+          </a:solidFill>
+          <a:ln>
+            <a:noFill/>
+          </a:ln>
+        </p:spPr>
+        <p:style>
+          <a:lnRef idx="2">
+            <a:schemeClr val="accent1">
+              <a:shade val="50000"/>
+            </a:schemeClr>
+          </a:lnRef>
+          <a:fillRef idx="1">
+            <a:schemeClr val="accent1"/>
+          </a:fillRef>
+          <a:effectRef idx="0">
+            <a:schemeClr val="accent1"/>
+          </a:effectRef>
+          <a:fontRef idx="minor">
+            <a:schemeClr val="lt1"/>
+          </a:fontRef>
+        </p:style>
+        <p:txBody>
+          <a:bodyPr rtlCol="0" anchor="ctr"/>
+          <a:p>
+            <a:pPr algn="ctr"/>
+            <a:endParaRPr lang="zh-CN" altLang="en-US"/>
+          </a:p>
+        </p:txBody>
+      </p:sp>
+      <p:sp>
+        <p:nvSpPr>
+          <p:cNvPr id="14" name="矩形 13"/>
+          <p:cNvSpPr/>
+          <p:nvPr/>
+        </p:nvSpPr>
+        <p:spPr>
+          <a:xfrm>
+            <a:off x="2111375" y="1940560"/>
+            <a:ext cx="7303135" cy="2495550"/>
+          </a:xfrm>
+          <a:prstGeom prst="rect">
+            <a:avLst/>
+          </a:prstGeom>
+          <a:noFill/>
+        </p:spPr>
+        <p:style>
+          <a:lnRef idx="2">
+            <a:schemeClr val="accent1">
+              <a:shade val="50000"/>
+            </a:schemeClr>
+          </a:lnRef>
+          <a:fillRef idx="1">
+            <a:schemeClr val="accent1"/>
+          </a:fillRef>
+          <a:effectRef idx="0">
+            <a:schemeClr val="accent1"/>
+          </a:effectRef>
+          <a:fontRef idx="minor">
+            <a:schemeClr val="lt1"/>
+          </a:fontRef>
+        </p:style>
+        <p:txBody>
+          <a:bodyPr rtlCol="0" anchor="ctr"/>
+          <a:p>
+            <a:pPr algn="ctr"/>
+            <a:endParaRPr lang="zh-CN" altLang="en-US"/>
+          </a:p>
+        </p:txBody>
+      </p:sp>
+    </p:spTree>
+  </p:cSld>
+  <p:clrMapOvr>
+    <a:masterClrMapping/>
+  </p:clrMapOvr>
+</p:sld>
+</file>
+
+<file path=ppt/slides/slide2.xml><?xml version="1.0" encoding="utf-8"?>
+<p:sld xmlns:a="http://schemas.openxmlformats.org/drawingml/2006/main" xmlns:r="http://schemas.openxmlformats.org/officeDocument/2006/relationships" xmlns:p="http://schemas.openxmlformats.org/presentationml/2006/main">
+  <p:cSld>
+    <p:bg>
+      <p:bgPr>
+        <a:noFill/>
+        <a:effectLst/>
+      </p:bgPr>
+    </p:bg>
+    <p:spTree>
+      <p:nvGrpSpPr>
+        <p:cNvPr id="1" name=""/>
+        <p:cNvGrpSpPr/>
+        <p:nvPr/>
+      </p:nvGrpSpPr>
+      <p:grpSpPr/>
+      <p:sp>
+        <p:nvSpPr>
+          <p:cNvPr id="4" name="矩形 3"/>
+          <p:cNvSpPr/>
+          <p:nvPr/>
+        </p:nvSpPr>
+        <p:spPr>
+          <a:xfrm>
+            <a:off x="1631315" y="1443355"/>
+            <a:ext cx="3600000" cy="3600000"/>
+          </a:xfrm>
+          <a:prstGeom prst="rect">
+            <a:avLst/>
+          </a:prstGeom>
+          <a:noFill/>
+        </p:spPr>
+        <p:style>
+          <a:lnRef idx="2">
+            <a:schemeClr val="accent1">
+              <a:shade val="50000"/>
+            </a:schemeClr>
+          </a:lnRef>
+          <a:fillRef idx="1">
+            <a:schemeClr val="accent1"/>
+          </a:fillRef>
+          <a:effectRef idx="0">
+            <a:schemeClr val="accent1"/>
+          </a:effectRef>
+          <a:fontRef idx="minor">
+            <a:schemeClr val="lt1"/>
+          </a:fontRef>
+        </p:style>
+        <p:txBody>
+          <a:bodyPr rtlCol="0" anchor="ctr"/>
+          <a:p>
+            <a:pPr algn="ctr"/>
+            <a:endParaRPr lang="zh-CN" altLang="en-US"/>
+          </a:p>
+        </p:txBody>
+      </p:sp>
+      <p:sp>
+        <p:nvSpPr>
+          <p:cNvPr id="2" name="椭圆 1"/>
           <p:cNvSpPr/>
           <p:nvPr/>
         </p:nvSpPr>
@@ -3371,9 +3758,11 @@
             <a:avLst/>
           </a:prstGeom>
           <a:noFill/>
-          <a:ln w="28575">
+          <a:ln w="127000">
             <a:solidFill>
-              <a:schemeClr val="bg1"/>
+              <a:schemeClr val="accent1">
+                <a:lumMod val="75000"/>
+              </a:schemeClr>
             </a:solidFill>
           </a:ln>
         </p:spPr>
@@ -3403,22 +3792,24 @@
       </p:sp>
       <p:sp>
         <p:nvSpPr>
-          <p:cNvPr id="6" name="椭圆 5"/>
+          <p:cNvPr id="3" name="椭圆 2"/>
           <p:cNvSpPr/>
           <p:nvPr/>
         </p:nvSpPr>
         <p:spPr>
           <a:xfrm>
-            <a:off x="3085465" y="2324100"/>
-            <a:ext cx="706120" cy="1840230"/>
+            <a:off x="3085465" y="2343150"/>
+            <a:ext cx="706120" cy="1818005"/>
           </a:xfrm>
           <a:prstGeom prst="ellipse">
             <a:avLst/>
           </a:prstGeom>
           <a:noFill/>
-          <a:ln w="28575">
+          <a:ln w="127000">
             <a:solidFill>
-              <a:schemeClr val="bg1"/>
+              <a:schemeClr val="accent1">
+                <a:lumMod val="75000"/>
+              </a:schemeClr>
             </a:solidFill>
           </a:ln>
         </p:spPr>
@@ -3448,7 +3839,7 @@
       </p:sp>
       <p:sp>
         <p:nvSpPr>
-          <p:cNvPr id="8" name="椭圆 7"/>
+          <p:cNvPr id="7" name="椭圆 6"/>
           <p:cNvSpPr/>
           <p:nvPr/>
         </p:nvSpPr>
@@ -3461,9 +3852,11 @@
             <a:avLst/>
           </a:prstGeom>
           <a:noFill/>
-          <a:ln w="28575">
+          <a:ln w="127000">
             <a:solidFill>
-              <a:schemeClr val="bg1"/>
+              <a:schemeClr val="accent1">
+                <a:lumMod val="75000"/>
+              </a:schemeClr>
             </a:solidFill>
           </a:ln>
         </p:spPr>
@@ -3493,7 +3886,7 @@
       </p:sp>
       <p:sp>
         <p:nvSpPr>
-          <p:cNvPr id="9" name="椭圆 8"/>
+          <p:cNvPr id="12" name="椭圆 11"/>
           <p:cNvSpPr/>
           <p:nvPr/>
         </p:nvSpPr>
@@ -3506,12 +3899,12 @@
             <a:avLst/>
           </a:prstGeom>
           <a:solidFill>
-            <a:schemeClr val="bg1"/>
+            <a:schemeClr val="accent1">
+              <a:lumMod val="50000"/>
+            </a:schemeClr>
           </a:solidFill>
           <a:ln>
-            <a:solidFill>
-              <a:schemeClr val="bg1"/>
-            </a:solidFill>
+            <a:noFill/>
           </a:ln>
         </p:spPr>
         <p:style>
@@ -3540,7 +3933,7 @@
       </p:sp>
       <p:sp>
         <p:nvSpPr>
-          <p:cNvPr id="10" name="椭圆 9"/>
+          <p:cNvPr id="13" name="椭圆 12"/>
           <p:cNvSpPr/>
           <p:nvPr/>
         </p:nvSpPr>
@@ -3553,12 +3946,12 @@
             <a:avLst/>
           </a:prstGeom>
           <a:solidFill>
-            <a:schemeClr val="bg1"/>
+            <a:schemeClr val="accent1">
+              <a:lumMod val="50000"/>
+            </a:schemeClr>
           </a:solidFill>
           <a:ln>
-            <a:solidFill>
-              <a:schemeClr val="bg1"/>
-            </a:solidFill>
+            <a:noFill/>
           </a:ln>
         </p:spPr>
         <p:style>
@@ -3582,43 +3975,6 @@
           <a:p>
             <a:pPr algn="ctr"/>
             <a:endParaRPr lang="zh-CN" altLang="en-US"/>
-          </a:p>
-        </p:txBody>
-      </p:sp>
-      <p:sp>
-        <p:nvSpPr>
-          <p:cNvPr id="11" name="文本框 10"/>
-          <p:cNvSpPr txBox="true"/>
-          <p:nvPr/>
-        </p:nvSpPr>
-        <p:spPr>
-          <a:xfrm>
-            <a:off x="4478655" y="2324100"/>
-            <a:ext cx="5487670" cy="1861185"/>
-          </a:xfrm>
-          <a:prstGeom prst="rect">
-            <a:avLst/>
-          </a:prstGeom>
-          <a:noFill/>
-        </p:spPr>
-        <p:txBody>
-          <a:bodyPr wrap="square" rtlCol="0">
-            <a:spAutoFit/>
-          </a:bodyPr>
-          <a:p>
-            <a:r>
-              <a:rPr lang="en-US" altLang="zh-CN" sz="11500">
-                <a:solidFill>
-                  <a:schemeClr val="bg1"/>
-                </a:solidFill>
-              </a:rPr>
-              <a:t>Hoster</a:t>
-            </a:r>
-            <a:endParaRPr lang="en-US" altLang="zh-CN" sz="11500">
-              <a:solidFill>
-                <a:schemeClr val="bg1"/>
-              </a:solidFill>
-            </a:endParaRPr>
           </a:p>
         </p:txBody>
       </p:sp>

--- a/docs/logo/hoster-logo.pptx
+++ b/docs/logo/hoster-logo.pptx
@@ -3711,8 +3711,8 @@
         </p:nvSpPr>
         <p:spPr>
           <a:xfrm>
-            <a:off x="1631315" y="1443355"/>
-            <a:ext cx="3600000" cy="3600000"/>
+            <a:off x="2299970" y="2113280"/>
+            <a:ext cx="2278380" cy="2278380"/>
           </a:xfrm>
           <a:prstGeom prst="rect">
             <a:avLst/>

--- a/docs/logo/hoster-logo.pptx
+++ b/docs/logo/hoster-logo.pptx
@@ -3367,7 +3367,7 @@
         </p:nvSpPr>
         <p:spPr>
           <a:xfrm>
-            <a:off x="4478655" y="2324100"/>
+            <a:off x="4612005" y="2312670"/>
             <a:ext cx="5487670" cy="1861185"/>
           </a:xfrm>
           <a:prstGeom prst="rect">
@@ -3412,7 +3412,7 @@
         </p:nvSpPr>
         <p:spPr>
           <a:xfrm>
-            <a:off x="2519680" y="2324100"/>
+            <a:off x="2653030" y="2312670"/>
             <a:ext cx="1837690" cy="1837690"/>
           </a:xfrm>
           <a:prstGeom prst="ellipse">
@@ -3459,7 +3459,7 @@
         </p:nvSpPr>
         <p:spPr>
           <a:xfrm>
-            <a:off x="3085465" y="2343150"/>
+            <a:off x="3218815" y="2331720"/>
             <a:ext cx="706120" cy="1818005"/>
           </a:xfrm>
           <a:prstGeom prst="ellipse">
@@ -3506,7 +3506,7 @@
         </p:nvSpPr>
         <p:spPr>
           <a:xfrm>
-            <a:off x="2520315" y="2990850"/>
+            <a:off x="2653665" y="2979420"/>
             <a:ext cx="1822450" cy="504190"/>
           </a:xfrm>
           <a:prstGeom prst="ellipse">
@@ -3553,7 +3553,7 @@
         </p:nvSpPr>
         <p:spPr>
           <a:xfrm>
-            <a:off x="3587750" y="2845435"/>
+            <a:off x="3721100" y="2834005"/>
             <a:ext cx="381000" cy="381000"/>
           </a:xfrm>
           <a:prstGeom prst="ellipse">
@@ -3600,7 +3600,7 @@
         </p:nvSpPr>
         <p:spPr>
           <a:xfrm>
-            <a:off x="2904490" y="3274695"/>
+            <a:off x="3037840" y="3263265"/>
             <a:ext cx="381000" cy="381000"/>
           </a:xfrm>
           <a:prstGeom prst="ellipse">
@@ -3647,8 +3647,8 @@
         </p:nvSpPr>
         <p:spPr>
           <a:xfrm>
-            <a:off x="2111375" y="1940560"/>
-            <a:ext cx="7303135" cy="2495550"/>
+            <a:off x="2401570" y="2107565"/>
+            <a:ext cx="7084060" cy="2247900"/>
           </a:xfrm>
           <a:prstGeom prst="rect">
             <a:avLst/>
